--- a/PPTs/1.PythonIntroduction.pptx
+++ b/PPTs/1.PythonIntroduction.pptx
@@ -249,7 +249,7 @@
           <a:p>
             <a:fld id="{49A80EC5-FD92-4CE5-A034-B2FA2A543325}" type="datetimeFigureOut">
               <a:rPr lang="en-US" smtClean="0"/>
-              <a:t>6/29/2019</a:t>
+              <a:t>1/23/2021</a:t>
             </a:fld>
             <a:endParaRPr lang="en-US"/>
           </a:p>
@@ -426,7 +426,7 @@
           <a:p>
             <a:fld id="{41B18780-32A0-4E09-90A8-B753F0C689A3}" type="datetimeFigureOut">
               <a:rPr lang="en-US" smtClean="0"/>
-              <a:t>6/29/2019</a:t>
+              <a:t>1/23/2021</a:t>
             </a:fld>
             <a:endParaRPr lang="en-US"/>
           </a:p>
@@ -840,7 +840,7 @@
           <a:p>
             <a:fld id="{D6C4F893-0192-4613-8857-AEE738935B97}" type="datetime1">
               <a:rPr lang="en-US" smtClean="0"/>
-              <a:t>6/29/2019</a:t>
+              <a:t>1/23/2021</a:t>
             </a:fld>
             <a:endParaRPr lang="en-US"/>
           </a:p>
@@ -1041,7 +1041,7 @@
           <a:p>
             <a:fld id="{6377AE1C-6C30-4BA7-A84E-49D62262DD51}" type="datetime1">
               <a:rPr lang="en-US" smtClean="0"/>
-              <a:t>6/29/2019</a:t>
+              <a:t>1/23/2021</a:t>
             </a:fld>
             <a:endParaRPr lang="en-US"/>
           </a:p>
@@ -1252,7 +1252,7 @@
           <a:p>
             <a:fld id="{376D475C-F11A-4458-AFE7-2BCDDA43BC76}" type="datetime1">
               <a:rPr lang="en-US" smtClean="0"/>
-              <a:t>6/29/2019</a:t>
+              <a:t>1/23/2021</a:t>
             </a:fld>
             <a:endParaRPr lang="en-US"/>
           </a:p>
@@ -1453,7 +1453,7 @@
           <a:p>
             <a:fld id="{57B9116B-4496-4CF7-ABCC-102A1667BFC0}" type="datetime1">
               <a:rPr lang="en-US" smtClean="0"/>
-              <a:t>6/29/2019</a:t>
+              <a:t>1/23/2021</a:t>
             </a:fld>
             <a:endParaRPr lang="en-US"/>
           </a:p>
@@ -1731,7 +1731,7 @@
           <a:p>
             <a:fld id="{EDFB2BDB-8C55-4E7B-8C43-A34C6DEE8CD1}" type="datetime1">
               <a:rPr lang="en-US" smtClean="0"/>
-              <a:t>6/29/2019</a:t>
+              <a:t>1/23/2021</a:t>
             </a:fld>
             <a:endParaRPr lang="en-US"/>
           </a:p>
@@ -1999,7 +1999,7 @@
           <a:p>
             <a:fld id="{F3015182-98A1-4306-ABB0-B093F48C0884}" type="datetime1">
               <a:rPr lang="en-US" smtClean="0"/>
-              <a:t>6/29/2019</a:t>
+              <a:t>1/23/2021</a:t>
             </a:fld>
             <a:endParaRPr lang="en-US"/>
           </a:p>
@@ -2414,7 +2414,7 @@
           <a:p>
             <a:fld id="{F5678241-63AC-4058-A959-A3845843220C}" type="datetime1">
               <a:rPr lang="en-US" smtClean="0"/>
-              <a:t>6/29/2019</a:t>
+              <a:t>1/23/2021</a:t>
             </a:fld>
             <a:endParaRPr lang="en-US"/>
           </a:p>
@@ -2558,7 +2558,7 @@
           <a:p>
             <a:fld id="{EF90F162-FACC-48D7-A962-93094F618260}" type="datetime1">
               <a:rPr lang="en-US" smtClean="0"/>
-              <a:t>6/29/2019</a:t>
+              <a:t>1/23/2021</a:t>
             </a:fld>
             <a:endParaRPr lang="en-US"/>
           </a:p>
@@ -2674,7 +2674,7 @@
           <a:p>
             <a:fld id="{BFA7BC81-D06E-46E4-A6BA-C79D84367274}" type="datetime1">
               <a:rPr lang="en-US" smtClean="0"/>
-              <a:t>6/29/2019</a:t>
+              <a:t>1/23/2021</a:t>
             </a:fld>
             <a:endParaRPr lang="en-US"/>
           </a:p>
@@ -2988,7 +2988,7 @@
           <a:p>
             <a:fld id="{2EC88D2F-5347-4B99-8FAC-9E6B80D1815C}" type="datetime1">
               <a:rPr lang="en-US" smtClean="0"/>
-              <a:t>6/29/2019</a:t>
+              <a:t>1/23/2021</a:t>
             </a:fld>
             <a:endParaRPr lang="en-US"/>
           </a:p>
@@ -3279,7 +3279,7 @@
           <a:p>
             <a:fld id="{8035B8B0-A489-4B32-BB05-BD9839CC720F}" type="datetime1">
               <a:rPr lang="en-US" smtClean="0"/>
-              <a:t>6/29/2019</a:t>
+              <a:t>1/23/2021</a:t>
             </a:fld>
             <a:endParaRPr lang="en-US"/>
           </a:p>
@@ -3523,7 +3523,7 @@
           <a:p>
             <a:fld id="{DF6C4581-48B1-47B0-981B-B6853F927B6A}" type="datetime1">
               <a:rPr lang="en-US" smtClean="0"/>
-              <a:t>6/29/2019</a:t>
+              <a:t>1/23/2021</a:t>
             </a:fld>
             <a:endParaRPr lang="en-US"/>
           </a:p>
@@ -7853,16 +7853,14 @@
           <a:p>
             <a:r>
               <a:rPr lang="en-US" b="1" dirty="0"/>
-              <a:t>Membership – Covered with Data structure</a:t>
+              <a:t>Membership</a:t>
             </a:r>
           </a:p>
           <a:p>
             <a:r>
               <a:rPr lang="en-US" b="1" dirty="0"/>
-              <a:t>Identity – Covered with OOPs concept</a:t>
-            </a:r>
-          </a:p>
-          <a:p>
+              <a:t>Identity</a:t>
+            </a:r>
             <a:endParaRPr lang="en-US" dirty="0"/>
           </a:p>
         </p:txBody>
